--- a/Ppt_Demo.pptx
+++ b/Ppt_Demo.pptx
@@ -2,7 +2,7 @@
 <file path=ppt/presentation.xml><?xml version="1.0" encoding="utf-8"?>
 <p:presentation xmlns:a="http://schemas.openxmlformats.org/drawingml/2006/main" xmlns:r="http://schemas.openxmlformats.org/officeDocument/2006/relationships" xmlns:p="http://schemas.openxmlformats.org/presentationml/2006/main" saveSubsetFonts="1">
   <p:sldMasterIdLst>
-    <p:sldMasterId id="2147483648" r:id="rId1"/>
+    <p:sldMasterId id="2147483748" r:id="rId1"/>
   </p:sldMasterIdLst>
   <p:notesMasterIdLst>
     <p:notesMasterId r:id="rId10"/>
@@ -688,8 +688,9 @@
           <a:bodyPr/>
           <a:lstStyle/>
           <a:p>
-            <a:fld id="{0FB56013-B943-42BA-886F-6F9D4EB85E9D}" type="slidenum">
+            <a:fld id="{38237106-F2ED-405E-BC33-CC3CF426205F}" type="slidenum">
               <a:rPr lang="en-US" smtClean="0"/>
+              <a:pPr/>
               <a:t>‹#›</a:t>
             </a:fld>
             <a:endParaRPr lang="en-US"/>
@@ -3177,17 +3178,17 @@
   </p:cSld>
   <p:clrMap bg1="dk1" tx1="lt1" bg2="dk2" tx2="lt2" accent1="accent1" accent2="accent2" accent3="accent3" accent4="accent4" accent5="accent5" accent6="accent6" hlink="hlink" folHlink="folHlink"/>
   <p:sldLayoutIdLst>
-    <p:sldLayoutId id="2147483649" r:id="rId1"/>
-    <p:sldLayoutId id="2147483650" r:id="rId2"/>
-    <p:sldLayoutId id="2147483651" r:id="rId3"/>
-    <p:sldLayoutId id="2147483652" r:id="rId4"/>
-    <p:sldLayoutId id="2147483653" r:id="rId5"/>
-    <p:sldLayoutId id="2147483654" r:id="rId6"/>
-    <p:sldLayoutId id="2147483655" r:id="rId7"/>
-    <p:sldLayoutId id="2147483656" r:id="rId8"/>
-    <p:sldLayoutId id="2147483657" r:id="rId9"/>
-    <p:sldLayoutId id="2147483658" r:id="rId10"/>
-    <p:sldLayoutId id="2147483659" r:id="rId11"/>
+    <p:sldLayoutId id="2147483749" r:id="rId1"/>
+    <p:sldLayoutId id="2147483750" r:id="rId2"/>
+    <p:sldLayoutId id="2147483751" r:id="rId3"/>
+    <p:sldLayoutId id="2147483752" r:id="rId4"/>
+    <p:sldLayoutId id="2147483753" r:id="rId5"/>
+    <p:sldLayoutId id="2147483754" r:id="rId6"/>
+    <p:sldLayoutId id="2147483755" r:id="rId7"/>
+    <p:sldLayoutId id="2147483756" r:id="rId8"/>
+    <p:sldLayoutId id="2147483757" r:id="rId9"/>
+    <p:sldLayoutId id="2147483758" r:id="rId10"/>
+    <p:sldLayoutId id="2147483759" r:id="rId11"/>
   </p:sldLayoutIdLst>
   <p:txStyles>
     <p:titleStyle>
@@ -3445,6 +3446,14 @@
 <file path=ppt/slides/slide1.xml><?xml version="1.0" encoding="utf-8"?>
 <p:sld xmlns:a="http://schemas.openxmlformats.org/drawingml/2006/main" xmlns:r="http://schemas.openxmlformats.org/officeDocument/2006/relationships" xmlns:p="http://schemas.openxmlformats.org/presentationml/2006/main">
   <p:cSld>
+    <p:bg>
+      <p:bgPr>
+        <a:solidFill>
+          <a:schemeClr val="bg1"/>
+        </a:solidFill>
+        <a:effectLst/>
+      </p:bgPr>
+    </p:bg>
     <p:spTree>
       <p:nvGrpSpPr>
         <p:cNvPr id="1" name=""/>
@@ -3477,44 +3486,77 @@
         </p:spPr>
         <p:txBody>
           <a:bodyPr>
-            <a:normAutofit fontScale="85000" lnSpcReduction="20000"/>
+            <a:noAutofit/>
           </a:bodyPr>
           <a:lstStyle/>
           <a:p>
             <a:r>
-              <a:rPr lang="en-US" dirty="0" smtClean="0"/>
+              <a:rPr lang="en-US" sz="2800" dirty="0" smtClean="0">
+                <a:solidFill>
+                  <a:srgbClr val="D9D9D9"/>
+                </a:solidFill>
+              </a:rPr>
               <a:t>Optimize your </a:t>
             </a:r>
             <a:r>
-              <a:rPr lang="en-US" dirty="0" err="1" smtClean="0"/>
+              <a:rPr lang="en-US" sz="2800" dirty="0" err="1" smtClean="0">
+                <a:solidFill>
+                  <a:srgbClr val="D9D9D9"/>
+                </a:solidFill>
+              </a:rPr>
               <a:t>crowdfunding</a:t>
             </a:r>
             <a:r>
-              <a:rPr lang="en-US" dirty="0" smtClean="0"/>
+              <a:rPr lang="en-US" sz="2800" dirty="0" smtClean="0">
+                <a:solidFill>
+                  <a:srgbClr val="D9D9D9"/>
+                </a:solidFill>
+              </a:rPr>
               <a:t> success</a:t>
             </a:r>
           </a:p>
           <a:p>
-            <a:endParaRPr lang="en-US" dirty="0" smtClean="0"/>
-          </a:p>
-          <a:p>
-            <a:endParaRPr lang="en-US" dirty="0" smtClean="0"/>
-          </a:p>
-          <a:p>
-            <a:endParaRPr lang="en-US" dirty="0"/>
-          </a:p>
-          <a:p>
-            <a:endParaRPr lang="en-US" dirty="0"/>
-          </a:p>
-          <a:p>
-            <a:endParaRPr lang="en-US" dirty="0" smtClean="0"/>
-          </a:p>
-          <a:p>
-            <a:r>
-              <a:rPr lang="en-US" dirty="0" smtClean="0"/>
+            <a:endParaRPr lang="en-US" dirty="0" smtClean="0">
+              <a:solidFill>
+                <a:srgbClr val="D9D9D9"/>
+              </a:solidFill>
+            </a:endParaRPr>
+          </a:p>
+          <a:p>
+            <a:endParaRPr lang="en-US" dirty="0" smtClean="0">
+              <a:solidFill>
+                <a:srgbClr val="D9D9D9"/>
+              </a:solidFill>
+            </a:endParaRPr>
+          </a:p>
+          <a:p>
+            <a:endParaRPr lang="en-US" dirty="0">
+              <a:solidFill>
+                <a:srgbClr val="D9D9D9"/>
+              </a:solidFill>
+            </a:endParaRPr>
+          </a:p>
+          <a:p>
+            <a:endParaRPr lang="en-US" dirty="0" smtClean="0">
+              <a:solidFill>
+                <a:srgbClr val="D9D9D9"/>
+              </a:solidFill>
+            </a:endParaRPr>
+          </a:p>
+          <a:p>
+            <a:r>
+              <a:rPr lang="en-US" dirty="0" smtClean="0">
+                <a:solidFill>
+                  <a:srgbClr val="D9D9D9"/>
+                </a:solidFill>
+              </a:rPr>
               <a:t>Meredith Trotter</a:t>
             </a:r>
-            <a:endParaRPr lang="en-US" dirty="0"/>
+            <a:endParaRPr lang="en-US" dirty="0">
+              <a:solidFill>
+                <a:srgbClr val="D9D9D9"/>
+              </a:solidFill>
+            </a:endParaRPr>
           </a:p>
         </p:txBody>
       </p:sp>
@@ -3540,8 +3582,8 @@
         </p:blipFill>
         <p:spPr>
           <a:xfrm>
-            <a:off x="769818" y="2130425"/>
-            <a:ext cx="7588485" cy="645986"/>
+            <a:off x="298824" y="2057759"/>
+            <a:ext cx="8442093" cy="718651"/>
           </a:xfrm>
           <a:prstGeom prst="rect">
             <a:avLst/>
@@ -3571,6 +3613,14 @@
 <file path=ppt/slides/slide2.xml><?xml version="1.0" encoding="utf-8"?>
 <p:sld xmlns:a="http://schemas.openxmlformats.org/drawingml/2006/main" xmlns:r="http://schemas.openxmlformats.org/officeDocument/2006/relationships" xmlns:p="http://schemas.openxmlformats.org/presentationml/2006/main">
   <p:cSld>
+    <p:bg>
+      <p:bgPr>
+        <a:solidFill>
+          <a:schemeClr val="bg1"/>
+        </a:solidFill>
+        <a:effectLst/>
+      </p:bgPr>
+    </p:bg>
     <p:spTree>
       <p:nvGrpSpPr>
         <p:cNvPr id="1" name=""/>
@@ -3888,7 +3938,52 @@
             </a:r>
             <a:r>
               <a:rPr lang="en-US" dirty="0" smtClean="0"/>
-              <a:t> campaign using only information you would have BEFORE you commit to a platform?</a:t>
+              <a:t> campaign using </a:t>
+            </a:r>
+            <a:endParaRPr lang="en-US" dirty="0" smtClean="0"/>
+          </a:p>
+          <a:p>
+            <a:pPr marL="0" indent="0" algn="ctr">
+              <a:buNone/>
+            </a:pPr>
+            <a:r>
+              <a:rPr lang="en-US" dirty="0" smtClean="0"/>
+              <a:t>only </a:t>
+            </a:r>
+            <a:r>
+              <a:rPr lang="en-US" dirty="0" smtClean="0"/>
+              <a:t>information you would </a:t>
+            </a:r>
+            <a:r>
+              <a:rPr lang="en-US" dirty="0" smtClean="0"/>
+              <a:t>have</a:t>
+            </a:r>
+          </a:p>
+          <a:p>
+            <a:pPr marL="0" indent="0" algn="ctr">
+              <a:buNone/>
+            </a:pPr>
+            <a:r>
+              <a:rPr lang="en-US" dirty="0" smtClean="0"/>
+              <a:t> </a:t>
+            </a:r>
+            <a:r>
+              <a:rPr lang="en-US" dirty="0" smtClean="0"/>
+              <a:t>BEFORE </a:t>
+            </a:r>
+            <a:endParaRPr lang="en-US" dirty="0" smtClean="0"/>
+          </a:p>
+          <a:p>
+            <a:pPr marL="0" indent="0" algn="ctr">
+              <a:buNone/>
+            </a:pPr>
+            <a:r>
+              <a:rPr lang="en-US" dirty="0" smtClean="0"/>
+              <a:t>you </a:t>
+            </a:r>
+            <a:r>
+              <a:rPr lang="en-US" dirty="0" smtClean="0"/>
+              <a:t>commit to a platform?</a:t>
             </a:r>
             <a:endParaRPr lang="en-US" dirty="0"/>
           </a:p>
@@ -3934,35 +4029,21 @@
             <p:ph type="title"/>
           </p:nvPr>
         </p:nvSpPr>
-        <p:spPr/>
+        <p:spPr>
+          <a:xfrm>
+            <a:off x="457200" y="5697"/>
+            <a:ext cx="8229600" cy="1143000"/>
+          </a:xfrm>
+        </p:spPr>
         <p:txBody>
           <a:bodyPr/>
           <a:lstStyle/>
           <a:p>
             <a:r>
               <a:rPr lang="en-US" dirty="0" smtClean="0"/>
-              <a:t>The Data</a:t>
+              <a:t>How it works</a:t>
             </a:r>
             <a:endParaRPr lang="en-US" dirty="0"/>
-          </a:p>
-        </p:txBody>
-      </p:sp>
-      <p:sp>
-        <p:nvSpPr>
-          <p:cNvPr id="3" name="Content Placeholder 2"/>
-          <p:cNvSpPr>
-            <a:spLocks noGrp="1"/>
-          </p:cNvSpPr>
-          <p:nvPr>
-            <p:ph idx="1"/>
-          </p:nvPr>
-        </p:nvSpPr>
-        <p:spPr/>
-        <p:txBody>
-          <a:bodyPr/>
-          <a:lstStyle/>
-          <a:p>
-            <a:endParaRPr lang="en-US"/>
           </a:p>
         </p:txBody>
       </p:sp>
@@ -3974,8 +4055,8 @@
         </p:nvSpPr>
         <p:spPr>
           <a:xfrm>
-            <a:off x="1401212" y="1724958"/>
-            <a:ext cx="6400800" cy="4401205"/>
+            <a:off x="1089073" y="1215708"/>
+            <a:ext cx="6400800" cy="5262980"/>
           </a:xfrm>
           <a:prstGeom prst="rect">
             <a:avLst/>
@@ -3987,14 +4068,37 @@
           </a:bodyPr>
           <a:lstStyle/>
           <a:p>
-            <a:pPr algn="ctr"/>
+            <a:r>
+              <a:rPr lang="en-US" sz="2800" dirty="0" smtClean="0"/>
+              <a:t>Scraped data:</a:t>
+            </a:r>
+          </a:p>
+          <a:p>
+            <a:r>
+              <a:rPr lang="en-US" sz="2800" dirty="0" smtClean="0"/>
+              <a:t>25 </a:t>
+            </a:r>
+            <a:r>
+              <a:rPr lang="en-US" sz="2800" dirty="0"/>
+              <a:t>000+ </a:t>
+            </a:r>
+            <a:r>
+              <a:rPr lang="en-US" sz="2800" dirty="0" err="1"/>
+              <a:t>Kickstarter</a:t>
+            </a:r>
+            <a:r>
+              <a:rPr lang="en-US" sz="2800" dirty="0"/>
+              <a:t> campaigns</a:t>
+            </a:r>
+          </a:p>
+          <a:p>
             <a:r>
               <a:rPr lang="en-US" sz="2800" dirty="0"/>
               <a:t>25 000+ </a:t>
             </a:r>
             <a:r>
               <a:rPr lang="en-US" sz="2800" dirty="0" err="1"/>
-              <a:t>Kickstarter</a:t>
+              <a:t>Indiegogo</a:t>
             </a:r>
             <a:r>
               <a:rPr lang="en-US" sz="2800" dirty="0"/>
@@ -4002,72 +4106,201 @@
             </a:r>
           </a:p>
           <a:p>
-            <a:pPr algn="ctr"/>
+            <a:endParaRPr lang="en-US" sz="2800" dirty="0"/>
+          </a:p>
+          <a:p>
+            <a:r>
+              <a:rPr lang="en-US" sz="2800" dirty="0" smtClean="0"/>
+              <a:t>Stored Useful Features:</a:t>
+            </a:r>
+            <a:endParaRPr lang="en-US" sz="2800" dirty="0"/>
+          </a:p>
+          <a:p>
+            <a:pPr marL="457200" indent="-457200">
+              <a:buFont typeface="Arial"/>
+              <a:buChar char="•"/>
+            </a:pPr>
             <a:r>
               <a:rPr lang="en-US" sz="2800" dirty="0"/>
-              <a:t>25 000+ </a:t>
-            </a:r>
-            <a:r>
-              <a:rPr lang="en-US" sz="2800" dirty="0" err="1"/>
-              <a:t>Indiegogo</a:t>
-            </a:r>
+              <a:t>Funding </a:t>
+            </a:r>
+            <a:r>
+              <a:rPr lang="en-US" sz="2800" dirty="0" smtClean="0"/>
+              <a:t>goal, Story</a:t>
+            </a:r>
+            <a:endParaRPr lang="en-US" sz="2800" dirty="0"/>
+          </a:p>
+          <a:p>
+            <a:pPr marL="457200" indent="-457200">
+              <a:buFont typeface="Arial"/>
+              <a:buChar char="•"/>
+            </a:pPr>
+            <a:r>
+              <a:rPr lang="en-US" sz="2800" dirty="0" smtClean="0"/>
+              <a:t>Category, Duration</a:t>
+            </a:r>
+            <a:endParaRPr lang="en-US" sz="2800" dirty="0"/>
+          </a:p>
+          <a:p>
+            <a:pPr marL="457200" indent="-457200">
+              <a:buFont typeface="Arial"/>
+              <a:buChar char="•"/>
+            </a:pPr>
             <a:r>
               <a:rPr lang="en-US" sz="2800" dirty="0"/>
-              <a:t> campaigns</a:t>
-            </a:r>
-          </a:p>
-          <a:p>
-            <a:pPr algn="ctr"/>
+              <a:t>Videos, </a:t>
+            </a:r>
+            <a:r>
+              <a:rPr lang="en-US" sz="2800" dirty="0" smtClean="0"/>
+              <a:t>Pictures</a:t>
+            </a:r>
+          </a:p>
+          <a:p>
+            <a:pPr marL="457200" indent="-457200">
+              <a:buFont typeface="Arial"/>
+              <a:buChar char="•"/>
+            </a:pPr>
+            <a:r>
+              <a:rPr lang="en-US" sz="2800" dirty="0" smtClean="0"/>
+              <a:t>Links</a:t>
+            </a:r>
+            <a:r>
+              <a:rPr lang="en-US" sz="2800" dirty="0" smtClean="0"/>
+              <a:t>, </a:t>
+            </a:r>
+            <a:r>
+              <a:rPr lang="en-US" sz="2800" dirty="0" smtClean="0"/>
+              <a:t>Perks</a:t>
+            </a:r>
+          </a:p>
+          <a:p>
+            <a:pPr marL="457200" indent="-457200">
+              <a:buFont typeface="Arial"/>
+              <a:buChar char="•"/>
+            </a:pPr>
             <a:endParaRPr lang="en-US" sz="2800" dirty="0"/>
           </a:p>
           <a:p>
-            <a:pPr algn="ctr"/>
-            <a:r>
-              <a:rPr lang="en-US" sz="2800" dirty="0"/>
-              <a:t>Features:</a:t>
-            </a:r>
-          </a:p>
-          <a:p>
-            <a:pPr algn="ctr"/>
+            <a:r>
+              <a:rPr lang="en-US" sz="2800" dirty="0" smtClean="0"/>
+              <a:t>Models for success: Random Forest Classifier and </a:t>
+            </a:r>
+            <a:r>
+              <a:rPr lang="en-US" sz="2800" dirty="0" err="1" smtClean="0"/>
+              <a:t>Regressor</a:t>
+            </a:r>
             <a:endParaRPr lang="en-US" sz="2800" dirty="0"/>
           </a:p>
-          <a:p>
-            <a:pPr algn="ctr"/>
-            <a:r>
-              <a:rPr lang="en-US" sz="2800" dirty="0"/>
-              <a:t>Funding goal</a:t>
-            </a:r>
-          </a:p>
-          <a:p>
-            <a:pPr algn="ctr"/>
-            <a:r>
-              <a:rPr lang="en-US" sz="2800" dirty="0"/>
-              <a:t>Category</a:t>
-            </a:r>
-          </a:p>
-          <a:p>
-            <a:pPr algn="ctr"/>
-            <a:r>
-              <a:rPr lang="en-US" sz="2800" dirty="0"/>
-              <a:t>Videos, Pictures</a:t>
-            </a:r>
-          </a:p>
-          <a:p>
-            <a:pPr algn="ctr"/>
-            <a:r>
-              <a:rPr lang="en-US" sz="2800" dirty="0"/>
-              <a:t>Links</a:t>
-            </a:r>
-          </a:p>
-          <a:p>
-            <a:pPr algn="ctr"/>
-            <a:r>
-              <a:rPr lang="en-US" sz="2800" dirty="0"/>
-              <a:t>Perks</a:t>
-            </a:r>
-          </a:p>
-        </p:txBody>
-      </p:sp>
+        </p:txBody>
+      </p:sp>
+      <p:pic>
+        <p:nvPicPr>
+          <p:cNvPr id="5" name="Picture 4" descr="python_logo.png"/>
+          <p:cNvPicPr>
+            <a:picLocks noChangeAspect="1"/>
+          </p:cNvPicPr>
+          <p:nvPr/>
+        </p:nvPicPr>
+        <p:blipFill>
+          <a:blip r:embed="rId2">
+            <a:extLst>
+              <a:ext uri="{28A0092B-C50C-407E-A947-70E740481C1C}">
+                <a14:useLocalDpi xmlns:a14="http://schemas.microsoft.com/office/drawing/2010/main" val="0"/>
+              </a:ext>
+            </a:extLst>
+          </a:blip>
+          <a:stretch>
+            <a:fillRect/>
+          </a:stretch>
+        </p:blipFill>
+        <p:spPr>
+          <a:xfrm>
+            <a:off x="7754470" y="926074"/>
+            <a:ext cx="1320800" cy="1320800"/>
+          </a:xfrm>
+          <a:prstGeom prst="rect">
+            <a:avLst/>
+          </a:prstGeom>
+        </p:spPr>
+      </p:pic>
+      <p:pic>
+        <p:nvPicPr>
+          <p:cNvPr id="6" name="Picture 5"/>
+          <p:cNvPicPr>
+            <a:picLocks noChangeAspect="1"/>
+          </p:cNvPicPr>
+          <p:nvPr/>
+        </p:nvPicPr>
+        <p:blipFill>
+          <a:blip r:embed="rId3"/>
+          <a:stretch>
+            <a:fillRect/>
+          </a:stretch>
+        </p:blipFill>
+        <p:spPr>
+          <a:xfrm>
+            <a:off x="6887882" y="2017061"/>
+            <a:ext cx="1175998" cy="1064278"/>
+          </a:xfrm>
+          <a:prstGeom prst="rect">
+            <a:avLst/>
+          </a:prstGeom>
+        </p:spPr>
+      </p:pic>
+      <p:pic>
+        <p:nvPicPr>
+          <p:cNvPr id="7" name="Picture 6"/>
+          <p:cNvPicPr>
+            <a:picLocks noChangeAspect="1"/>
+          </p:cNvPicPr>
+          <p:nvPr/>
+        </p:nvPicPr>
+        <p:blipFill>
+          <a:blip r:embed="rId4"/>
+          <a:stretch>
+            <a:fillRect/>
+          </a:stretch>
+        </p:blipFill>
+        <p:spPr>
+          <a:xfrm>
+            <a:off x="6887882" y="3200867"/>
+            <a:ext cx="2032000" cy="1524000"/>
+          </a:xfrm>
+          <a:prstGeom prst="rect">
+            <a:avLst/>
+          </a:prstGeom>
+        </p:spPr>
+      </p:pic>
+      <p:pic>
+        <p:nvPicPr>
+          <p:cNvPr id="9" name="Picture 8" descr="scikitlogo.png"/>
+          <p:cNvPicPr>
+            <a:picLocks noChangeAspect="1"/>
+          </p:cNvPicPr>
+          <p:nvPr/>
+        </p:nvPicPr>
+        <p:blipFill>
+          <a:blip r:embed="rId5">
+            <a:extLst>
+              <a:ext uri="{28A0092B-C50C-407E-A947-70E740481C1C}">
+                <a14:useLocalDpi xmlns:a14="http://schemas.microsoft.com/office/drawing/2010/main" val="0"/>
+              </a:ext>
+            </a:extLst>
+          </a:blip>
+          <a:stretch>
+            <a:fillRect/>
+          </a:stretch>
+        </p:blipFill>
+        <p:spPr>
+          <a:xfrm>
+            <a:off x="7582647" y="4951226"/>
+            <a:ext cx="1337235" cy="1337235"/>
+          </a:xfrm>
+          <a:prstGeom prst="rect">
+            <a:avLst/>
+          </a:prstGeom>
+        </p:spPr>
+      </p:pic>
     </p:spTree>
     <p:extLst>
       <p:ext uri="{BB962C8B-B14F-4D97-AF65-F5344CB8AC3E}">
@@ -4108,14 +4341,19 @@
             <p:ph type="title"/>
           </p:nvPr>
         </p:nvSpPr>
-        <p:spPr/>
+        <p:spPr>
+          <a:xfrm>
+            <a:off x="457200" y="-54064"/>
+            <a:ext cx="8229600" cy="1143000"/>
+          </a:xfrm>
+        </p:spPr>
         <p:txBody>
           <a:bodyPr/>
           <a:lstStyle/>
           <a:p>
             <a:r>
               <a:rPr lang="en-US" dirty="0" smtClean="0"/>
-              <a:t>Findings</a:t>
+              <a:t>Important Features</a:t>
             </a:r>
             <a:endParaRPr lang="en-US" dirty="0"/>
           </a:p>
@@ -4131,28 +4369,28 @@
             <p:ph type="body" idx="1"/>
           </p:nvPr>
         </p:nvSpPr>
-        <p:spPr/>
+        <p:spPr>
+          <a:xfrm>
+            <a:off x="457199" y="1206411"/>
+            <a:ext cx="4187825" cy="639762"/>
+          </a:xfrm>
+        </p:spPr>
         <p:txBody>
           <a:bodyPr>
-            <a:normAutofit fontScale="77500" lnSpcReduction="20000"/>
+            <a:noAutofit/>
           </a:bodyPr>
           <a:lstStyle/>
           <a:p>
+            <a:endParaRPr lang="en-US" dirty="0" smtClean="0"/>
+          </a:p>
+          <a:p>
+            <a:pPr algn="ctr"/>
             <a:r>
               <a:rPr lang="en-US" dirty="0" err="1" smtClean="0"/>
               <a:t>Kickstarter</a:t>
             </a:r>
             <a:endParaRPr lang="en-US" dirty="0" smtClean="0"/>
           </a:p>
-          <a:p>
-            <a:r>
-              <a:rPr lang="en-US" dirty="0" smtClean="0"/>
-              <a:t>Important features:</a:t>
-            </a:r>
-          </a:p>
-          <a:p>
-            <a:endParaRPr lang="en-US" dirty="0"/>
-          </a:p>
         </p:txBody>
       </p:sp>
       <p:sp>
@@ -4165,38 +4403,38 @@
             <p:ph type="body" sz="quarter" idx="3"/>
           </p:nvPr>
         </p:nvSpPr>
-        <p:spPr/>
+        <p:spPr>
+          <a:xfrm>
+            <a:off x="4645025" y="1206411"/>
+            <a:ext cx="4041775" cy="639762"/>
+          </a:xfrm>
+        </p:spPr>
         <p:txBody>
           <a:bodyPr>
-            <a:normAutofit fontScale="77500" lnSpcReduction="20000"/>
+            <a:noAutofit/>
           </a:bodyPr>
           <a:lstStyle/>
           <a:p>
+            <a:endParaRPr lang="en-US" dirty="0" smtClean="0"/>
+          </a:p>
+          <a:p>
+            <a:pPr algn="ctr"/>
             <a:r>
               <a:rPr lang="en-US" dirty="0" err="1" smtClean="0"/>
               <a:t>Indiegogo</a:t>
             </a:r>
             <a:endParaRPr lang="en-US" dirty="0" smtClean="0"/>
           </a:p>
-          <a:p>
-            <a:r>
-              <a:rPr lang="en-US" dirty="0" smtClean="0"/>
-              <a:t>Important features:</a:t>
-            </a:r>
-          </a:p>
-          <a:p>
-            <a:endParaRPr lang="en-US" dirty="0"/>
-          </a:p>
         </p:txBody>
       </p:sp>
       <p:pic>
         <p:nvPicPr>
-          <p:cNvPr id="15" name="Content Placeholder 14" descr="kick_features_class.png"/>
+          <p:cNvPr id="21" name="Content Placeholder 20" descr="indie_features_class.png"/>
           <p:cNvPicPr>
             <a:picLocks noGrp="1" noChangeAspect="1"/>
           </p:cNvPicPr>
           <p:nvPr>
-            <p:ph sz="half" idx="2"/>
+            <p:ph sz="quarter" idx="4"/>
           </p:nvPr>
         </p:nvPicPr>
         <p:blipFill>
@@ -4207,21 +4445,26 @@
               </a:ext>
             </a:extLst>
           </a:blip>
-          <a:srcRect t="1100" b="1100"/>
+          <a:srcRect l="3505" r="3505"/>
           <a:stretch>
             <a:fillRect/>
           </a:stretch>
         </p:blipFill>
-        <p:spPr/>
+        <p:spPr>
+          <a:xfrm>
+            <a:off x="4645025" y="1846173"/>
+            <a:ext cx="4041775" cy="3951288"/>
+          </a:xfrm>
+        </p:spPr>
       </p:pic>
       <p:pic>
         <p:nvPicPr>
-          <p:cNvPr id="17" name="Content Placeholder 16" descr="indie_features_class.png"/>
+          <p:cNvPr id="23" name="Content Placeholder 22" descr="kick_features_class.png"/>
           <p:cNvPicPr>
             <a:picLocks noGrp="1" noChangeAspect="1"/>
           </p:cNvPicPr>
           <p:nvPr>
-            <p:ph sz="quarter" idx="4"/>
+            <p:ph sz="half" idx="2"/>
           </p:nvPr>
         </p:nvPicPr>
         <p:blipFill>
@@ -4232,13 +4475,78 @@
               </a:ext>
             </a:extLst>
           </a:blip>
-          <a:srcRect t="1119" b="1119"/>
+          <a:srcRect l="3523" r="3523"/>
           <a:stretch>
             <a:fillRect/>
           </a:stretch>
         </p:blipFill>
-        <p:spPr/>
+        <p:spPr>
+          <a:xfrm>
+            <a:off x="457200" y="1846173"/>
+            <a:ext cx="4040188" cy="3951288"/>
+          </a:xfrm>
+        </p:spPr>
       </p:pic>
+      <p:sp>
+        <p:nvSpPr>
+          <p:cNvPr id="24" name="TextBox 23"/>
+          <p:cNvSpPr txBox="1"/>
+          <p:nvPr/>
+        </p:nvSpPr>
+        <p:spPr>
+          <a:xfrm>
+            <a:off x="457200" y="6010550"/>
+            <a:ext cx="3087654" cy="369332"/>
+          </a:xfrm>
+          <a:prstGeom prst="rect">
+            <a:avLst/>
+          </a:prstGeom>
+          <a:noFill/>
+        </p:spPr>
+        <p:txBody>
+          <a:bodyPr wrap="none" rtlCol="0">
+            <a:spAutoFit/>
+          </a:bodyPr>
+          <a:lstStyle/>
+          <a:p>
+            <a:r>
+              <a:rPr lang="en-US" dirty="0" smtClean="0"/>
+              <a:t>Accuracy:  0.83, Precision: 0.78</a:t>
+            </a:r>
+            <a:endParaRPr lang="en-US" dirty="0"/>
+          </a:p>
+        </p:txBody>
+      </p:sp>
+      <p:sp>
+        <p:nvSpPr>
+          <p:cNvPr id="25" name="TextBox 24"/>
+          <p:cNvSpPr txBox="1"/>
+          <p:nvPr/>
+        </p:nvSpPr>
+        <p:spPr>
+          <a:xfrm>
+            <a:off x="4645025" y="5996213"/>
+            <a:ext cx="3087654" cy="369332"/>
+          </a:xfrm>
+          <a:prstGeom prst="rect">
+            <a:avLst/>
+          </a:prstGeom>
+          <a:noFill/>
+        </p:spPr>
+        <p:txBody>
+          <a:bodyPr wrap="none" rtlCol="0">
+            <a:spAutoFit/>
+          </a:bodyPr>
+          <a:lstStyle/>
+          <a:p>
+            <a:r>
+              <a:rPr lang="en-US" dirty="0" smtClean="0"/>
+              <a:t>Accuracy:  0.82, Precision: 0.89</a:t>
+            </a:r>
+            <a:endParaRPr lang="en-US" dirty="0"/>
+          </a:p>
+        </p:txBody>
+      </p:sp>
     </p:spTree>
     <p:extLst>
       <p:ext uri="{BB962C8B-B14F-4D97-AF65-F5344CB8AC3E}">
@@ -4269,107 +4577,91 @@
           <a:chExt cx="0" cy="0"/>
         </a:xfrm>
       </p:grpSpPr>
-      <p:sp>
-        <p:nvSpPr>
-          <p:cNvPr id="2" name="Title 1"/>
-          <p:cNvSpPr>
-            <a:spLocks noGrp="1"/>
-          </p:cNvSpPr>
-          <p:nvPr>
-            <p:ph type="title"/>
-          </p:nvPr>
-        </p:nvSpPr>
-        <p:spPr/>
-        <p:txBody>
-          <a:bodyPr>
-            <a:normAutofit fontScale="90000"/>
-          </a:bodyPr>
-          <a:lstStyle/>
-          <a:p>
-            <a:r>
-              <a:rPr lang="en-US" dirty="0" smtClean="0"/>
-              <a:t>Should they have kicked or should they </a:t>
-            </a:r>
-            <a:r>
-              <a:rPr lang="en-US" dirty="0" err="1" smtClean="0"/>
-              <a:t>gogone</a:t>
-            </a:r>
-            <a:r>
-              <a:rPr lang="en-US" dirty="0" smtClean="0"/>
-              <a:t>?</a:t>
-            </a:r>
-            <a:endParaRPr lang="en-US" dirty="0"/>
-          </a:p>
-        </p:txBody>
-      </p:sp>
-      <p:sp>
-        <p:nvSpPr>
-          <p:cNvPr id="5" name="Text Placeholder 4"/>
-          <p:cNvSpPr>
-            <a:spLocks noGrp="1"/>
-          </p:cNvSpPr>
-          <p:nvPr>
-            <p:ph type="body" sz="quarter" idx="3"/>
-          </p:nvPr>
-        </p:nvSpPr>
-        <p:spPr/>
-        <p:txBody>
-          <a:bodyPr/>
-          <a:lstStyle/>
-          <a:p>
-            <a:endParaRPr lang="en-US"/>
-          </a:p>
-        </p:txBody>
-      </p:sp>
-      <p:sp>
-        <p:nvSpPr>
-          <p:cNvPr id="6" name="Content Placeholder 5"/>
-          <p:cNvSpPr>
-            <a:spLocks noGrp="1"/>
-          </p:cNvSpPr>
-          <p:nvPr>
-            <p:ph sz="quarter" idx="4"/>
-          </p:nvPr>
-        </p:nvSpPr>
-        <p:spPr/>
-        <p:txBody>
-          <a:bodyPr/>
-          <a:lstStyle/>
-          <a:p>
-            <a:endParaRPr lang="en-US" dirty="0"/>
-          </a:p>
-        </p:txBody>
-      </p:sp>
       <p:pic>
         <p:nvPicPr>
-          <p:cNvPr id="13" name="Content Placeholder 12" descr="pred_success.jpg"/>
+          <p:cNvPr id="33" name="Picture 32" descr="pred_funds.jpg"/>
           <p:cNvPicPr>
-            <a:picLocks noGrp="1" noChangeAspect="1"/>
+            <a:picLocks noChangeAspect="1"/>
           </p:cNvPicPr>
-          <p:nvPr>
-            <p:ph sz="half" idx="2"/>
-          </p:nvPr>
+          <p:nvPr/>
         </p:nvPicPr>
         <p:blipFill>
-          <a:blip r:embed="rId2" cstate="print">
+          <a:blip r:embed="rId2">
             <a:extLst>
               <a:ext uri="{28A0092B-C50C-407E-A947-70E740481C1C}">
                 <a14:useLocalDpi xmlns:a14="http://schemas.microsoft.com/office/drawing/2010/main" val="0"/>
               </a:ext>
             </a:extLst>
           </a:blip>
-          <a:srcRect t="1100" b="1100"/>
           <a:stretch>
             <a:fillRect/>
           </a:stretch>
         </p:blipFill>
         <p:spPr>
           <a:xfrm>
-            <a:off x="2182870" y="1661194"/>
-            <a:ext cx="4924310" cy="4815956"/>
-          </a:xfrm>
+            <a:off x="4764741" y="1988682"/>
+            <a:ext cx="4187825" cy="3350260"/>
+          </a:xfrm>
+          <a:prstGeom prst="rect">
+            <a:avLst/>
+          </a:prstGeom>
         </p:spPr>
       </p:pic>
+      <p:pic>
+        <p:nvPicPr>
+          <p:cNvPr id="30" name="Picture 29" descr="pred_success.jpg"/>
+          <p:cNvPicPr>
+            <a:picLocks noChangeAspect="1"/>
+          </p:cNvPicPr>
+          <p:nvPr/>
+        </p:nvPicPr>
+        <p:blipFill>
+          <a:blip r:embed="rId3">
+            <a:extLst>
+              <a:ext uri="{28A0092B-C50C-407E-A947-70E740481C1C}">
+                <a14:useLocalDpi xmlns:a14="http://schemas.microsoft.com/office/drawing/2010/main" val="0"/>
+              </a:ext>
+            </a:extLst>
+          </a:blip>
+          <a:stretch>
+            <a:fillRect/>
+          </a:stretch>
+        </p:blipFill>
+        <p:spPr>
+          <a:xfrm>
+            <a:off x="233083" y="1988682"/>
+            <a:ext cx="4187825" cy="3350260"/>
+          </a:xfrm>
+          <a:prstGeom prst="rect">
+            <a:avLst/>
+          </a:prstGeom>
+        </p:spPr>
+      </p:pic>
+      <p:sp>
+        <p:nvSpPr>
+          <p:cNvPr id="2" name="Title 1"/>
+          <p:cNvSpPr>
+            <a:spLocks noGrp="1"/>
+          </p:cNvSpPr>
+          <p:nvPr>
+            <p:ph type="title"/>
+          </p:nvPr>
+        </p:nvSpPr>
+        <p:spPr/>
+        <p:txBody>
+          <a:bodyPr>
+            <a:normAutofit/>
+          </a:bodyPr>
+          <a:lstStyle/>
+          <a:p>
+            <a:r>
+              <a:rPr lang="en-US" dirty="0" smtClean="0"/>
+              <a:t>Are users behaving optimally?</a:t>
+            </a:r>
+            <a:endParaRPr lang="en-US" dirty="0"/>
+          </a:p>
+        </p:txBody>
+      </p:sp>
       <p:sp>
         <p:nvSpPr>
           <p:cNvPr id="3" name="Text Placeholder 2"/>
@@ -4382,87 +4674,230 @@
         </p:nvSpPr>
         <p:spPr>
           <a:xfrm>
-            <a:off x="3311355" y="2491132"/>
-            <a:ext cx="4040188" cy="639762"/>
+            <a:off x="5627331" y="2271514"/>
+            <a:ext cx="1708787" cy="671906"/>
           </a:xfrm>
         </p:spPr>
         <p:txBody>
           <a:bodyPr>
-            <a:normAutofit fontScale="77500" lnSpcReduction="20000"/>
+            <a:noAutofit/>
           </a:bodyPr>
           <a:lstStyle/>
           <a:p>
-            <a:r>
-              <a:rPr lang="en-US" dirty="0" smtClean="0">
+            <a:pPr>
+              <a:lnSpc>
+                <a:spcPct val="90000"/>
+              </a:lnSpc>
+            </a:pPr>
+            <a:r>
+              <a:rPr lang="en-US" sz="1800" dirty="0" err="1" smtClean="0">
                 <a:solidFill>
-                  <a:srgbClr val="008000"/>
+                  <a:srgbClr val="408000"/>
                 </a:solidFill>
               </a:rPr>
-              <a:t>Green</a:t>
-            </a:r>
-            <a:r>
-              <a:rPr lang="en-US" dirty="0" smtClean="0"/>
-              <a:t> </a:t>
-            </a:r>
-            <a:r>
-              <a:rPr lang="en-US" dirty="0" smtClean="0">
+              <a:t>Kickstarters</a:t>
+            </a:r>
+            <a:endParaRPr lang="en-US" sz="1800" dirty="0" smtClean="0">
+              <a:solidFill>
+                <a:srgbClr val="408000"/>
+              </a:solidFill>
+            </a:endParaRPr>
+          </a:p>
+          <a:p>
+            <a:pPr>
+              <a:lnSpc>
+                <a:spcPct val="90000"/>
+              </a:lnSpc>
+            </a:pPr>
+            <a:r>
+              <a:rPr lang="en-US" sz="1800" dirty="0" err="1" smtClean="0">
                 <a:solidFill>
-                  <a:srgbClr val="000000"/>
+                  <a:srgbClr val="3366FF"/>
                 </a:solidFill>
               </a:rPr>
-              <a:t>= </a:t>
-            </a:r>
-            <a:r>
-              <a:rPr lang="en-US" dirty="0" err="1" smtClean="0">
+              <a:t>Indiegogoers</a:t>
+            </a:r>
+            <a:endParaRPr lang="en-US" sz="1800" dirty="0">
+              <a:solidFill>
+                <a:srgbClr val="3366FF"/>
+              </a:solidFill>
+            </a:endParaRPr>
+          </a:p>
+        </p:txBody>
+      </p:sp>
+      <p:sp>
+        <p:nvSpPr>
+          <p:cNvPr id="15" name="Rectangle 14"/>
+          <p:cNvSpPr/>
+          <p:nvPr/>
+        </p:nvSpPr>
+        <p:spPr>
+          <a:xfrm>
+            <a:off x="1045882" y="2333370"/>
+            <a:ext cx="1494118" cy="595548"/>
+          </a:xfrm>
+          <a:prstGeom prst="rect">
+            <a:avLst/>
+          </a:prstGeom>
+        </p:spPr>
+        <p:txBody>
+          <a:bodyPr wrap="square">
+            <a:spAutoFit/>
+          </a:bodyPr>
+          <a:lstStyle/>
+          <a:p>
+            <a:pPr>
+              <a:lnSpc>
+                <a:spcPct val="90000"/>
+              </a:lnSpc>
+            </a:pPr>
+            <a:r>
+              <a:rPr lang="en-US" b="1" dirty="0" err="1" smtClean="0">
                 <a:solidFill>
-                  <a:srgbClr val="000000"/>
+                  <a:srgbClr val="408000"/>
                 </a:solidFill>
               </a:rPr>
-              <a:t>Kickstarter</a:t>
-            </a:r>
-            <a:endParaRPr lang="en-US" dirty="0" smtClean="0">
+              <a:t>Kickstarters</a:t>
+            </a:r>
+            <a:endParaRPr lang="en-US" b="1" dirty="0">
               <a:solidFill>
-                <a:srgbClr val="000000"/>
+                <a:srgbClr val="408000"/>
               </a:solidFill>
             </a:endParaRPr>
           </a:p>
           <a:p>
-            <a:r>
-              <a:rPr lang="en-US" dirty="0" smtClean="0">
+            <a:pPr>
+              <a:lnSpc>
+                <a:spcPct val="90000"/>
+              </a:lnSpc>
+            </a:pPr>
+            <a:r>
+              <a:rPr lang="en-US" b="1" dirty="0" err="1" smtClean="0">
                 <a:solidFill>
-                  <a:schemeClr val="bg2">
-                    <a:lumMod val="60000"/>
-                    <a:lumOff val="40000"/>
-                  </a:schemeClr>
+                  <a:srgbClr val="3366FF"/>
                 </a:solidFill>
               </a:rPr>
-              <a:t>Blue</a:t>
-            </a:r>
-            <a:r>
-              <a:rPr lang="en-US" dirty="0" smtClean="0"/>
-              <a:t> </a:t>
-            </a:r>
-            <a:r>
-              <a:rPr lang="en-US" dirty="0" smtClean="0">
-                <a:solidFill>
-                  <a:schemeClr val="bg1"/>
-                </a:solidFill>
-              </a:rPr>
-              <a:t>= </a:t>
-            </a:r>
-            <a:r>
-              <a:rPr lang="en-US" dirty="0" err="1" smtClean="0">
-                <a:solidFill>
-                  <a:schemeClr val="bg1"/>
-                </a:solidFill>
-              </a:rPr>
-              <a:t>Indiegogo</a:t>
-            </a:r>
-            <a:endParaRPr lang="en-US" dirty="0">
+              <a:t>Indiegogoers</a:t>
+            </a:r>
+            <a:endParaRPr lang="en-US" b="1" dirty="0">
               <a:solidFill>
-                <a:schemeClr val="bg1"/>
+                <a:srgbClr val="3366FF"/>
               </a:solidFill>
             </a:endParaRPr>
+          </a:p>
+        </p:txBody>
+      </p:sp>
+      <p:sp>
+        <p:nvSpPr>
+          <p:cNvPr id="18" name="TextBox 17"/>
+          <p:cNvSpPr txBox="1"/>
+          <p:nvPr/>
+        </p:nvSpPr>
+        <p:spPr>
+          <a:xfrm>
+            <a:off x="457200" y="5991412"/>
+            <a:ext cx="3802130" cy="646331"/>
+          </a:xfrm>
+          <a:prstGeom prst="rect">
+            <a:avLst/>
+          </a:prstGeom>
+          <a:noFill/>
+        </p:spPr>
+        <p:txBody>
+          <a:bodyPr wrap="none" rtlCol="0">
+            <a:spAutoFit/>
+          </a:bodyPr>
+          <a:lstStyle/>
+          <a:p>
+            <a:r>
+              <a:rPr lang="en-US" dirty="0" smtClean="0"/>
+              <a:t>57% of </a:t>
+            </a:r>
+            <a:r>
+              <a:rPr lang="en-US" dirty="0" err="1" smtClean="0"/>
+              <a:t>Kickstarters</a:t>
+            </a:r>
+            <a:r>
+              <a:rPr lang="en-US" dirty="0" smtClean="0"/>
+              <a:t>, 78% of </a:t>
+            </a:r>
+            <a:r>
+              <a:rPr lang="en-US" dirty="0" err="1" smtClean="0"/>
+              <a:t>Indiegogos</a:t>
+            </a:r>
+            <a:endParaRPr lang="en-US" dirty="0" smtClean="0"/>
+          </a:p>
+          <a:p>
+            <a:r>
+              <a:rPr lang="en-US" dirty="0"/>
+              <a:t>p</a:t>
+            </a:r>
+            <a:r>
+              <a:rPr lang="en-US" dirty="0" smtClean="0"/>
+              <a:t>redicted to do better on </a:t>
+            </a:r>
+            <a:r>
+              <a:rPr lang="en-US" dirty="0" err="1" smtClean="0"/>
+              <a:t>Kickstarter</a:t>
+            </a:r>
+            <a:endParaRPr lang="en-US" dirty="0"/>
+          </a:p>
+        </p:txBody>
+      </p:sp>
+      <p:sp>
+        <p:nvSpPr>
+          <p:cNvPr id="19" name="TextBox 18"/>
+          <p:cNvSpPr txBox="1"/>
+          <p:nvPr/>
+        </p:nvSpPr>
+        <p:spPr>
+          <a:xfrm>
+            <a:off x="4645025" y="5991412"/>
+            <a:ext cx="3904246" cy="646331"/>
+          </a:xfrm>
+          <a:prstGeom prst="rect">
+            <a:avLst/>
+          </a:prstGeom>
+          <a:noFill/>
+        </p:spPr>
+        <p:txBody>
+          <a:bodyPr wrap="none" rtlCol="0">
+            <a:spAutoFit/>
+          </a:bodyPr>
+          <a:lstStyle/>
+          <a:p>
+            <a:r>
+              <a:rPr lang="en-US" dirty="0" smtClean="0"/>
+              <a:t>65% of </a:t>
+            </a:r>
+            <a:r>
+              <a:rPr lang="en-US" dirty="0" err="1" smtClean="0"/>
+              <a:t>Kickstarters</a:t>
+            </a:r>
+            <a:r>
+              <a:rPr lang="en-US" dirty="0" smtClean="0"/>
+              <a:t>, 80% of </a:t>
+            </a:r>
+            <a:r>
+              <a:rPr lang="en-US" dirty="0" err="1" smtClean="0"/>
+              <a:t>Indiegogos</a:t>
+            </a:r>
+            <a:endParaRPr lang="en-US" dirty="0" smtClean="0"/>
+          </a:p>
+          <a:p>
+            <a:r>
+              <a:rPr lang="en-US" dirty="0"/>
+              <a:t>p</a:t>
+            </a:r>
+            <a:r>
+              <a:rPr lang="en-US" dirty="0" smtClean="0"/>
+              <a:t>redicted to make more $ on </a:t>
+            </a:r>
+            <a:r>
+              <a:rPr lang="en-US" dirty="0" err="1" smtClean="0"/>
+              <a:t>Indiegogo</a:t>
+            </a:r>
+            <a:endParaRPr lang="en-US" dirty="0"/>
           </a:p>
         </p:txBody>
       </p:sp>
@@ -4504,8 +4939,8 @@
         </p:nvSpPr>
         <p:spPr>
           <a:xfrm>
-            <a:off x="2947826" y="171227"/>
-            <a:ext cx="3009558" cy="584776"/>
+            <a:off x="119529" y="171227"/>
+            <a:ext cx="8890001" cy="584776"/>
           </a:xfrm>
           <a:prstGeom prst="rect">
             <a:avLst/>
@@ -4513,16 +4948,23 @@
           <a:noFill/>
         </p:spPr>
         <p:txBody>
-          <a:bodyPr wrap="none" rtlCol="0">
+          <a:bodyPr wrap="square" rtlCol="0">
             <a:spAutoFit/>
           </a:bodyPr>
           <a:lstStyle/>
           <a:p>
-            <a:r>
-              <a:rPr lang="en-US" sz="3200" dirty="0" smtClean="0"/>
+            <a:pPr algn="ctr"/>
+            <a:r>
+              <a:rPr lang="en-US" sz="3200" b="1" dirty="0" smtClean="0">
+                <a:latin typeface="Optima"/>
+                <a:cs typeface="Optima"/>
+              </a:rPr>
               <a:t>Meredith Trotter</a:t>
             </a:r>
-            <a:endParaRPr lang="en-US" sz="3200" dirty="0"/>
+            <a:endParaRPr lang="en-US" sz="3200" b="1" dirty="0">
+              <a:latin typeface="Optima"/>
+              <a:cs typeface="Optima"/>
+            </a:endParaRPr>
           </a:p>
         </p:txBody>
       </p:sp>
@@ -4548,8 +4990,8 @@
         </p:blipFill>
         <p:spPr>
           <a:xfrm>
-            <a:off x="6121737" y="387170"/>
-            <a:ext cx="3810000" cy="2133600"/>
+            <a:off x="6718550" y="136556"/>
+            <a:ext cx="3065611" cy="1716742"/>
           </a:xfrm>
           <a:prstGeom prst="rect">
             <a:avLst/>
@@ -4578,7 +5020,7 @@
         </p:blipFill>
         <p:spPr>
           <a:xfrm>
-            <a:off x="698233" y="171227"/>
+            <a:off x="533879" y="314943"/>
             <a:ext cx="1846500" cy="2439937"/>
           </a:xfrm>
           <a:prstGeom prst="rect">
@@ -4588,14 +5030,14 @@
       </p:pic>
       <p:pic>
         <p:nvPicPr>
-          <p:cNvPr id="12" name="Picture 11" descr="SUSig_Seal_Left.png"/>
+          <p:cNvPr id="15" name="Picture 14" descr="darwin-i-think-43863-1.jpg"/>
           <p:cNvPicPr>
             <a:picLocks noChangeAspect="1"/>
           </p:cNvPicPr>
           <p:nvPr/>
         </p:nvPicPr>
         <p:blipFill>
-          <a:blip r:embed="rId4" cstate="print">
+          <a:blip r:embed="rId4">
             <a:extLst>
               <a:ext uri="{28A0092B-C50C-407E-A947-70E740481C1C}">
                 <a14:useLocalDpi xmlns:a14="http://schemas.microsoft.com/office/drawing/2010/main" val="0"/>
@@ -4608,8 +5050,8 @@
         </p:blipFill>
         <p:spPr>
           <a:xfrm>
-            <a:off x="6338787" y="5674639"/>
-            <a:ext cx="5041721" cy="1183362"/>
+            <a:off x="3061912" y="1067339"/>
+            <a:ext cx="3000060" cy="2837199"/>
           </a:xfrm>
           <a:prstGeom prst="rect">
             <a:avLst/>
@@ -4618,7 +5060,7 @@
       </p:pic>
       <p:pic>
         <p:nvPicPr>
-          <p:cNvPr id="13" name="Picture 12" descr="otago.jpeg"/>
+          <p:cNvPr id="16" name="Picture 15" descr="Polar_Bear_relaxing.jpg"/>
           <p:cNvPicPr>
             <a:picLocks noChangeAspect="1"/>
           </p:cNvPicPr>
@@ -4638,8 +5080,8 @@
         </p:blipFill>
         <p:spPr>
           <a:xfrm>
-            <a:off x="0" y="5357969"/>
-            <a:ext cx="3000060" cy="1500031"/>
+            <a:off x="6947842" y="3399564"/>
+            <a:ext cx="2061687" cy="1374887"/>
           </a:xfrm>
           <a:prstGeom prst="rect">
             <a:avLst/>
@@ -4648,7 +5090,7 @@
       </p:pic>
       <p:pic>
         <p:nvPicPr>
-          <p:cNvPr id="15" name="Picture 14" descr="darwin-i-think-43863-1.jpg"/>
+          <p:cNvPr id="17" name="Picture 16" descr="figure1.jpg"/>
           <p:cNvPicPr>
             <a:picLocks noChangeAspect="1"/>
           </p:cNvPicPr>
@@ -4668,8 +5110,8 @@
         </p:blipFill>
         <p:spPr>
           <a:xfrm>
-            <a:off x="3121677" y="2089508"/>
-            <a:ext cx="3000060" cy="2837199"/>
+            <a:off x="533879" y="2774364"/>
+            <a:ext cx="1846500" cy="2161455"/>
           </a:xfrm>
           <a:prstGeom prst="rect">
             <a:avLst/>
@@ -4678,7 +5120,7 @@
       </p:pic>
       <p:pic>
         <p:nvPicPr>
-          <p:cNvPr id="16" name="Picture 15" descr="Polar_Bear_relaxing.jpg"/>
+          <p:cNvPr id="18" name="Picture 17" descr="mortality.jpeg"/>
           <p:cNvPicPr>
             <a:picLocks noChangeAspect="1"/>
           </p:cNvPicPr>
@@ -4698,8 +5140,8 @@
         </p:blipFill>
         <p:spPr>
           <a:xfrm>
-            <a:off x="7128571" y="2761049"/>
-            <a:ext cx="2015430" cy="1344040"/>
+            <a:off x="6947841" y="1853298"/>
+            <a:ext cx="2061688" cy="1546266"/>
           </a:xfrm>
           <a:prstGeom prst="rect">
             <a:avLst/>
@@ -4708,14 +5150,14 @@
       </p:pic>
       <p:pic>
         <p:nvPicPr>
-          <p:cNvPr id="17" name="Picture 16" descr="figure1.jpg"/>
+          <p:cNvPr id="22" name="Picture 21" descr="otago_logo.jpg"/>
           <p:cNvPicPr>
             <a:picLocks noChangeAspect="1"/>
           </p:cNvPicPr>
           <p:nvPr/>
         </p:nvPicPr>
         <p:blipFill>
-          <a:blip r:embed="rId8">
+          <a:blip r:embed="rId8" cstate="print">
             <a:extLst>
               <a:ext uri="{28A0092B-C50C-407E-A947-70E740481C1C}">
                 <a14:useLocalDpi xmlns:a14="http://schemas.microsoft.com/office/drawing/2010/main" val="0"/>
@@ -4728,8 +5170,8 @@
         </p:blipFill>
         <p:spPr>
           <a:xfrm>
-            <a:off x="698233" y="3007753"/>
-            <a:ext cx="1746177" cy="2044020"/>
+            <a:off x="3810000" y="4159820"/>
+            <a:ext cx="1588186" cy="2633414"/>
           </a:xfrm>
           <a:prstGeom prst="rect">
             <a:avLst/>
@@ -4738,14 +5180,43 @@
       </p:pic>
       <p:pic>
         <p:nvPicPr>
-          <p:cNvPr id="18" name="Picture 17" descr="mortality.jpeg"/>
+          <p:cNvPr id="23" name="Picture 22" descr="University-of-Arizona-73F48145.jpg"/>
+          <p:cNvPicPr>
+            <a:picLocks noChangeAspect="1"/>
+          </p:cNvPicPr>
+          <p:nvPr/>
+        </p:nvPicPr>
+        <p:blipFill rotWithShape="1">
+          <a:blip r:embed="rId9">
+            <a:extLst>
+              <a:ext uri="{28A0092B-C50C-407E-A947-70E740481C1C}">
+                <a14:useLocalDpi xmlns:a14="http://schemas.microsoft.com/office/drawing/2010/main" val="0"/>
+              </a:ext>
+            </a:extLst>
+          </a:blip>
+          <a:srcRect l="18502" t="-5287" r="18534" b="5287"/>
+          <a:stretch/>
+        </p:blipFill>
+        <p:spPr>
+          <a:xfrm>
+            <a:off x="533879" y="4803444"/>
+            <a:ext cx="1846500" cy="2054329"/>
+          </a:xfrm>
+          <a:prstGeom prst="rect">
+            <a:avLst/>
+          </a:prstGeom>
+        </p:spPr>
+      </p:pic>
+      <p:pic>
+        <p:nvPicPr>
+          <p:cNvPr id="24" name="Picture 23" descr="Stanford-university-logo.jpg"/>
           <p:cNvPicPr>
             <a:picLocks noChangeAspect="1"/>
           </p:cNvPicPr>
           <p:nvPr/>
         </p:nvPicPr>
         <p:blipFill>
-          <a:blip r:embed="rId9">
+          <a:blip r:embed="rId10">
             <a:extLst>
               <a:ext uri="{28A0092B-C50C-407E-A947-70E740481C1C}">
                 <a14:useLocalDpi xmlns:a14="http://schemas.microsoft.com/office/drawing/2010/main" val="0"/>
@@ -4758,37 +5229,8 @@
         </p:blipFill>
         <p:spPr>
           <a:xfrm>
-            <a:off x="6853021" y="4105089"/>
-            <a:ext cx="2290980" cy="1718235"/>
-          </a:xfrm>
-          <a:prstGeom prst="rect">
-            <a:avLst/>
-          </a:prstGeom>
-        </p:spPr>
-      </p:pic>
-      <p:pic>
-        <p:nvPicPr>
-          <p:cNvPr id="19" name="Picture 18" descr="University-of-Arizona-73F48145.jpg"/>
-          <p:cNvPicPr>
-            <a:picLocks noChangeAspect="1"/>
-          </p:cNvPicPr>
-          <p:nvPr/>
-        </p:nvPicPr>
-        <p:blipFill rotWithShape="1">
-          <a:blip r:embed="rId10">
-            <a:extLst>
-              <a:ext uri="{28A0092B-C50C-407E-A947-70E740481C1C}">
-                <a14:useLocalDpi xmlns:a14="http://schemas.microsoft.com/office/drawing/2010/main" val="0"/>
-              </a:ext>
-            </a:extLst>
-          </a:blip>
-          <a:srcRect t="34316" b="29167"/>
-          <a:stretch/>
-        </p:blipFill>
-        <p:spPr>
-          <a:xfrm>
-            <a:off x="3000060" y="5943667"/>
-            <a:ext cx="3338727" cy="914334"/>
+            <a:off x="6947842" y="4760048"/>
+            <a:ext cx="2061688" cy="2033185"/>
           </a:xfrm>
           <a:prstGeom prst="rect">
             <a:avLst/>
@@ -4934,7 +5376,7 @@
 </file>
 
 <file path=ppt/theme/theme1.xml><?xml version="1.0" encoding="utf-8"?>
-<a:theme xmlns:a="http://schemas.openxmlformats.org/drawingml/2006/main" name=" Black ">
+<a:theme xmlns:a="http://schemas.openxmlformats.org/drawingml/2006/main" name="Black">
   <a:themeElements>
     <a:clrScheme name="Office">
       <a:dk1>

--- a/Ppt_Demo.pptx
+++ b/Ppt_Demo.pptx
@@ -199,7 +199,7 @@
           <a:p>
             <a:fld id="{FB66D7F0-788E-8348-ABBC-440610784070}" type="datetimeFigureOut">
               <a:rPr lang="en-US" smtClean="0"/>
-              <a:t>6/28/14</a:t>
+              <a:t>6/30/14</a:t>
             </a:fld>
             <a:endParaRPr lang="en-US"/>
           </a:p>
@@ -648,7 +648,7 @@
           <a:p>
             <a:fld id="{6BFECD78-3C8E-49F2-8FAB-59489D168ABB}" type="datetimeFigureOut">
               <a:rPr lang="en-US" smtClean="0"/>
-              <a:t>6/28/14</a:t>
+              <a:t>6/30/14</a:t>
             </a:fld>
             <a:endParaRPr lang="en-US"/>
           </a:p>
@@ -819,7 +819,7 @@
           <a:p>
             <a:fld id="{6BFECD78-3C8E-49F2-8FAB-59489D168ABB}" type="datetimeFigureOut">
               <a:rPr lang="en-US" smtClean="0"/>
-              <a:t>6/28/14</a:t>
+              <a:t>6/30/14</a:t>
             </a:fld>
             <a:endParaRPr lang="en-US"/>
           </a:p>
@@ -999,7 +999,7 @@
           <a:p>
             <a:fld id="{6BFECD78-3C8E-49F2-8FAB-59489D168ABB}" type="datetimeFigureOut">
               <a:rPr lang="en-US" smtClean="0"/>
-              <a:t>6/28/14</a:t>
+              <a:t>6/30/14</a:t>
             </a:fld>
             <a:endParaRPr lang="en-US"/>
           </a:p>
@@ -1169,7 +1169,7 @@
           <a:p>
             <a:fld id="{6BFECD78-3C8E-49F2-8FAB-59489D168ABB}" type="datetimeFigureOut">
               <a:rPr lang="en-US" smtClean="0"/>
-              <a:t>6/28/14</a:t>
+              <a:t>6/30/14</a:t>
             </a:fld>
             <a:endParaRPr lang="en-US"/>
           </a:p>
@@ -1415,7 +1415,7 @@
           <a:p>
             <a:fld id="{6BFECD78-3C8E-49F2-8FAB-59489D168ABB}" type="datetimeFigureOut">
               <a:rPr lang="en-US" smtClean="0"/>
-              <a:t>6/28/14</a:t>
+              <a:t>6/30/14</a:t>
             </a:fld>
             <a:endParaRPr lang="en-US"/>
           </a:p>
@@ -1703,7 +1703,7 @@
           <a:p>
             <a:fld id="{6BFECD78-3C8E-49F2-8FAB-59489D168ABB}" type="datetimeFigureOut">
               <a:rPr lang="en-US" smtClean="0"/>
-              <a:t>6/28/14</a:t>
+              <a:t>6/30/14</a:t>
             </a:fld>
             <a:endParaRPr lang="en-US"/>
           </a:p>
@@ -2125,7 +2125,7 @@
           <a:p>
             <a:fld id="{6BFECD78-3C8E-49F2-8FAB-59489D168ABB}" type="datetimeFigureOut">
               <a:rPr lang="en-US" smtClean="0"/>
-              <a:t>6/28/14</a:t>
+              <a:t>6/30/14</a:t>
             </a:fld>
             <a:endParaRPr lang="en-US"/>
           </a:p>
@@ -2243,7 +2243,7 @@
           <a:p>
             <a:fld id="{6BFECD78-3C8E-49F2-8FAB-59489D168ABB}" type="datetimeFigureOut">
               <a:rPr lang="en-US" smtClean="0"/>
-              <a:t>6/28/14</a:t>
+              <a:t>6/30/14</a:t>
             </a:fld>
             <a:endParaRPr lang="en-US"/>
           </a:p>
@@ -2338,7 +2338,7 @@
           <a:p>
             <a:fld id="{6BFECD78-3C8E-49F2-8FAB-59489D168ABB}" type="datetimeFigureOut">
               <a:rPr lang="en-US" smtClean="0"/>
-              <a:t>6/28/14</a:t>
+              <a:t>6/30/14</a:t>
             </a:fld>
             <a:endParaRPr lang="en-US"/>
           </a:p>
@@ -2615,7 +2615,7 @@
           <a:p>
             <a:fld id="{6BFECD78-3C8E-49F2-8FAB-59489D168ABB}" type="datetimeFigureOut">
               <a:rPr lang="en-US" smtClean="0"/>
-              <a:t>6/28/14</a:t>
+              <a:t>6/30/14</a:t>
             </a:fld>
             <a:endParaRPr lang="en-US"/>
           </a:p>
@@ -2872,7 +2872,7 @@
           <a:p>
             <a:fld id="{6BFECD78-3C8E-49F2-8FAB-59489D168ABB}" type="datetimeFigureOut">
               <a:rPr lang="en-US" smtClean="0"/>
-              <a:t>6/28/14</a:t>
+              <a:t>6/30/14</a:t>
             </a:fld>
             <a:endParaRPr lang="en-US"/>
           </a:p>
@@ -3085,7 +3085,7 @@
           <a:p>
             <a:fld id="{6BFECD78-3C8E-49F2-8FAB-59489D168ABB}" type="datetimeFigureOut">
               <a:rPr lang="en-US" smtClean="0"/>
-              <a:t>6/28/14</a:t>
+              <a:t>6/30/14</a:t>
             </a:fld>
             <a:endParaRPr lang="en-US"/>
           </a:p>
@@ -3940,7 +3940,6 @@
               <a:rPr lang="en-US" dirty="0" smtClean="0"/>
               <a:t> campaign using </a:t>
             </a:r>
-            <a:endParaRPr lang="en-US" dirty="0" smtClean="0"/>
           </a:p>
           <a:p>
             <a:pPr marL="0" indent="0" algn="ctr">
@@ -3948,42 +3947,25 @@
             </a:pPr>
             <a:r>
               <a:rPr lang="en-US" dirty="0" smtClean="0"/>
-              <a:t>only </a:t>
-            </a:r>
+              <a:t>only information you would have</a:t>
+            </a:r>
+          </a:p>
+          <a:p>
+            <a:pPr marL="0" indent="0" algn="ctr">
+              <a:buNone/>
+            </a:pPr>
             <a:r>
               <a:rPr lang="en-US" dirty="0" smtClean="0"/>
-              <a:t>information you would </a:t>
-            </a:r>
+              <a:t> BEFORE </a:t>
+            </a:r>
+          </a:p>
+          <a:p>
+            <a:pPr marL="0" indent="0" algn="ctr">
+              <a:buNone/>
+            </a:pPr>
             <a:r>
               <a:rPr lang="en-US" dirty="0" smtClean="0"/>
-              <a:t>have</a:t>
-            </a:r>
-          </a:p>
-          <a:p>
-            <a:pPr marL="0" indent="0" algn="ctr">
-              <a:buNone/>
-            </a:pPr>
-            <a:r>
-              <a:rPr lang="en-US" dirty="0" smtClean="0"/>
-              <a:t> </a:t>
-            </a:r>
-            <a:r>
-              <a:rPr lang="en-US" dirty="0" smtClean="0"/>
-              <a:t>BEFORE </a:t>
-            </a:r>
-            <a:endParaRPr lang="en-US" dirty="0" smtClean="0"/>
-          </a:p>
-          <a:p>
-            <a:pPr marL="0" indent="0" algn="ctr">
-              <a:buNone/>
-            </a:pPr>
-            <a:r>
-              <a:rPr lang="en-US" dirty="0" smtClean="0"/>
-              <a:t>you </a:t>
-            </a:r>
-            <a:r>
-              <a:rPr lang="en-US" dirty="0" smtClean="0"/>
-              <a:t>commit to a platform?</a:t>
+              <a:t>you commit to a platform?</a:t>
             </a:r>
             <a:endParaRPr lang="en-US" dirty="0"/>
           </a:p>
@@ -4162,15 +4144,7 @@
             </a:pPr>
             <a:r>
               <a:rPr lang="en-US" sz="2800" dirty="0" smtClean="0"/>
-              <a:t>Links</a:t>
-            </a:r>
-            <a:r>
-              <a:rPr lang="en-US" sz="2800" dirty="0" smtClean="0"/>
-              <a:t>, </a:t>
-            </a:r>
-            <a:r>
-              <a:rPr lang="en-US" sz="2800" dirty="0" smtClean="0"/>
-              <a:t>Perks</a:t>
+              <a:t>Links, Perks</a:t>
             </a:r>
           </a:p>
           <a:p>
@@ -4371,7 +4345,7 @@
         </p:nvSpPr>
         <p:spPr>
           <a:xfrm>
-            <a:off x="457199" y="1206411"/>
+            <a:off x="711196" y="1206411"/>
             <a:ext cx="4187825" cy="639762"/>
           </a:xfrm>
         </p:spPr>
@@ -4405,7 +4379,7 @@
         </p:nvSpPr>
         <p:spPr>
           <a:xfrm>
-            <a:off x="4645025" y="1206411"/>
+            <a:off x="4899022" y="1206411"/>
             <a:ext cx="4041775" cy="639762"/>
           </a:xfrm>
         </p:spPr>
@@ -4452,7 +4426,7 @@
         </p:blipFill>
         <p:spPr>
           <a:xfrm>
-            <a:off x="4645025" y="1846173"/>
+            <a:off x="4899022" y="1846173"/>
             <a:ext cx="4041775" cy="3951288"/>
           </a:xfrm>
         </p:spPr>
@@ -4482,7 +4456,7 @@
         </p:blipFill>
         <p:spPr>
           <a:xfrm>
-            <a:off x="457200" y="1846173"/>
+            <a:off x="711197" y="1846173"/>
             <a:ext cx="4040188" cy="3951288"/>
           </a:xfrm>
         </p:spPr>
@@ -4544,6 +4518,177 @@
               <a:t>Accuracy:  0.82, Precision: 0.89</a:t>
             </a:r>
             <a:endParaRPr lang="en-US" dirty="0"/>
+          </a:p>
+        </p:txBody>
+      </p:sp>
+      <p:sp>
+        <p:nvSpPr>
+          <p:cNvPr id="9" name="Text Placeholder 5"/>
+          <p:cNvSpPr txBox="1">
+            <a:spLocks/>
+          </p:cNvSpPr>
+          <p:nvPr/>
+        </p:nvSpPr>
+        <p:spPr>
+          <a:xfrm rot="16200000">
+            <a:off x="-1829083" y="3582419"/>
+            <a:ext cx="4187825" cy="639762"/>
+          </a:xfrm>
+          <a:prstGeom prst="rect">
+            <a:avLst/>
+          </a:prstGeom>
+        </p:spPr>
+        <p:txBody>
+          <a:bodyPr vert="horz" lIns="91440" tIns="45720" rIns="91440" bIns="45720" rtlCol="0" anchor="b">
+            <a:noAutofit/>
+          </a:bodyPr>
+          <a:lstStyle>
+            <a:lvl1pPr marL="0" indent="0" algn="l" defTabSz="914400" rtl="0" eaLnBrk="1" latinLnBrk="0" hangingPunct="1">
+              <a:spcBef>
+                <a:spcPct val="20000"/>
+              </a:spcBef>
+              <a:buFont typeface="Arial" pitchFamily="34" charset="0"/>
+              <a:buNone/>
+              <a:defRPr sz="2400" b="1" kern="1200">
+                <a:solidFill>
+                  <a:schemeClr val="tx1"/>
+                </a:solidFill>
+                <a:latin typeface="+mn-lt"/>
+                <a:ea typeface="+mn-ea"/>
+                <a:cs typeface="+mn-cs"/>
+              </a:defRPr>
+            </a:lvl1pPr>
+            <a:lvl2pPr marL="457200" indent="0" algn="l" defTabSz="914400" rtl="0" eaLnBrk="1" latinLnBrk="0" hangingPunct="1">
+              <a:spcBef>
+                <a:spcPct val="20000"/>
+              </a:spcBef>
+              <a:buFont typeface="Arial" pitchFamily="34" charset="0"/>
+              <a:buNone/>
+              <a:defRPr sz="2000" b="1" kern="1200">
+                <a:solidFill>
+                  <a:schemeClr val="tx1"/>
+                </a:solidFill>
+                <a:latin typeface="+mn-lt"/>
+                <a:ea typeface="+mn-ea"/>
+                <a:cs typeface="+mn-cs"/>
+              </a:defRPr>
+            </a:lvl2pPr>
+            <a:lvl3pPr marL="914400" indent="0" algn="l" defTabSz="914400" rtl="0" eaLnBrk="1" latinLnBrk="0" hangingPunct="1">
+              <a:spcBef>
+                <a:spcPct val="20000"/>
+              </a:spcBef>
+              <a:buFont typeface="Arial" pitchFamily="34" charset="0"/>
+              <a:buNone/>
+              <a:defRPr sz="1800" b="1" kern="1200">
+                <a:solidFill>
+                  <a:schemeClr val="tx1"/>
+                </a:solidFill>
+                <a:latin typeface="+mn-lt"/>
+                <a:ea typeface="+mn-ea"/>
+                <a:cs typeface="+mn-cs"/>
+              </a:defRPr>
+            </a:lvl3pPr>
+            <a:lvl4pPr marL="1371600" indent="0" algn="l" defTabSz="914400" rtl="0" eaLnBrk="1" latinLnBrk="0" hangingPunct="1">
+              <a:spcBef>
+                <a:spcPct val="20000"/>
+              </a:spcBef>
+              <a:buFont typeface="Arial" pitchFamily="34" charset="0"/>
+              <a:buNone/>
+              <a:defRPr sz="1600" b="1" kern="1200">
+                <a:solidFill>
+                  <a:schemeClr val="tx1"/>
+                </a:solidFill>
+                <a:latin typeface="+mn-lt"/>
+                <a:ea typeface="+mn-ea"/>
+                <a:cs typeface="+mn-cs"/>
+              </a:defRPr>
+            </a:lvl4pPr>
+            <a:lvl5pPr marL="1828800" indent="0" algn="l" defTabSz="914400" rtl="0" eaLnBrk="1" latinLnBrk="0" hangingPunct="1">
+              <a:spcBef>
+                <a:spcPct val="20000"/>
+              </a:spcBef>
+              <a:buFont typeface="Arial" pitchFamily="34" charset="0"/>
+              <a:buNone/>
+              <a:defRPr sz="1600" b="1" kern="1200">
+                <a:solidFill>
+                  <a:schemeClr val="tx1"/>
+                </a:solidFill>
+                <a:latin typeface="+mn-lt"/>
+                <a:ea typeface="+mn-ea"/>
+                <a:cs typeface="+mn-cs"/>
+              </a:defRPr>
+            </a:lvl5pPr>
+            <a:lvl6pPr marL="2286000" indent="0" algn="l" defTabSz="914400" rtl="0" eaLnBrk="1" latinLnBrk="0" hangingPunct="1">
+              <a:spcBef>
+                <a:spcPct val="20000"/>
+              </a:spcBef>
+              <a:buFont typeface="Arial" pitchFamily="34" charset="0"/>
+              <a:buNone/>
+              <a:defRPr sz="1600" b="1" kern="1200">
+                <a:solidFill>
+                  <a:schemeClr val="tx1"/>
+                </a:solidFill>
+                <a:latin typeface="+mn-lt"/>
+                <a:ea typeface="+mn-ea"/>
+                <a:cs typeface="+mn-cs"/>
+              </a:defRPr>
+            </a:lvl6pPr>
+            <a:lvl7pPr marL="2743200" indent="0" algn="l" defTabSz="914400" rtl="0" eaLnBrk="1" latinLnBrk="0" hangingPunct="1">
+              <a:spcBef>
+                <a:spcPct val="20000"/>
+              </a:spcBef>
+              <a:buFont typeface="Arial" pitchFamily="34" charset="0"/>
+              <a:buNone/>
+              <a:defRPr sz="1600" b="1" kern="1200">
+                <a:solidFill>
+                  <a:schemeClr val="tx1"/>
+                </a:solidFill>
+                <a:latin typeface="+mn-lt"/>
+                <a:ea typeface="+mn-ea"/>
+                <a:cs typeface="+mn-cs"/>
+              </a:defRPr>
+            </a:lvl7pPr>
+            <a:lvl8pPr marL="3200400" indent="0" algn="l" defTabSz="914400" rtl="0" eaLnBrk="1" latinLnBrk="0" hangingPunct="1">
+              <a:spcBef>
+                <a:spcPct val="20000"/>
+              </a:spcBef>
+              <a:buFont typeface="Arial" pitchFamily="34" charset="0"/>
+              <a:buNone/>
+              <a:defRPr sz="1600" b="1" kern="1200">
+                <a:solidFill>
+                  <a:schemeClr val="tx1"/>
+                </a:solidFill>
+                <a:latin typeface="+mn-lt"/>
+                <a:ea typeface="+mn-ea"/>
+                <a:cs typeface="+mn-cs"/>
+              </a:defRPr>
+            </a:lvl8pPr>
+            <a:lvl9pPr marL="3657600" indent="0" algn="l" defTabSz="914400" rtl="0" eaLnBrk="1" latinLnBrk="0" hangingPunct="1">
+              <a:spcBef>
+                <a:spcPct val="20000"/>
+              </a:spcBef>
+              <a:buFont typeface="Arial" pitchFamily="34" charset="0"/>
+              <a:buNone/>
+              <a:defRPr sz="1600" b="1" kern="1200">
+                <a:solidFill>
+                  <a:schemeClr val="tx1"/>
+                </a:solidFill>
+                <a:latin typeface="+mn-lt"/>
+                <a:ea typeface="+mn-ea"/>
+                <a:cs typeface="+mn-cs"/>
+              </a:defRPr>
+            </a:lvl9pPr>
+          </a:lstStyle>
+          <a:p>
+            <a:endParaRPr lang="en-US" dirty="0" smtClean="0"/>
+          </a:p>
+          <a:p>
+            <a:pPr algn="ctr"/>
+            <a:r>
+              <a:rPr lang="en-US" dirty="0" smtClean="0"/>
+              <a:t>Feature Importance</a:t>
+            </a:r>
+            <a:endParaRPr lang="en-US" dirty="0" smtClean="0"/>
           </a:p>
         </p:txBody>
       </p:sp>
@@ -4579,7 +4724,7 @@
       </p:grpSpPr>
       <p:pic>
         <p:nvPicPr>
-          <p:cNvPr id="33" name="Picture 32" descr="pred_funds.jpg"/>
+          <p:cNvPr id="5" name="Picture 4" descr="pred_funds.jpg"/>
           <p:cNvPicPr>
             <a:picLocks noChangeAspect="1"/>
           </p:cNvPicPr>
@@ -4599,8 +4744,8 @@
         </p:blipFill>
         <p:spPr>
           <a:xfrm>
-            <a:off x="4764741" y="1988682"/>
-            <a:ext cx="4187825" cy="3350260"/>
+            <a:off x="4739337" y="1988682"/>
+            <a:ext cx="4187826" cy="3350260"/>
           </a:xfrm>
           <a:prstGeom prst="rect">
             <a:avLst/>
@@ -4674,7 +4819,7 @@
         </p:nvSpPr>
         <p:spPr>
           <a:xfrm>
-            <a:off x="5627331" y="2271514"/>
+            <a:off x="5313570" y="2271514"/>
             <a:ext cx="1708787" cy="671906"/>
           </a:xfrm>
         </p:spPr>

--- a/Ppt_Demo.pptx
+++ b/Ppt_Demo.pptx
@@ -4688,7 +4688,6 @@
               <a:rPr lang="en-US" dirty="0" smtClean="0"/>
               <a:t>Feature Importance</a:t>
             </a:r>
-            <a:endParaRPr lang="en-US" dirty="0" smtClean="0"/>
           </a:p>
         </p:txBody>
       </p:sp>
@@ -4998,7 +4997,7 @@
         <p:spPr>
           <a:xfrm>
             <a:off x="4645025" y="5991412"/>
-            <a:ext cx="3904246" cy="646331"/>
+            <a:ext cx="3981679" cy="646331"/>
           </a:xfrm>
           <a:prstGeom prst="rect">
             <a:avLst/>
@@ -5013,7 +5012,11 @@
           <a:p>
             <a:r>
               <a:rPr lang="en-US" dirty="0" smtClean="0"/>
-              <a:t>65% of </a:t>
+              <a:t>66% </a:t>
+            </a:r>
+            <a:r>
+              <a:rPr lang="en-US" dirty="0" smtClean="0"/>
+              <a:t>of </a:t>
             </a:r>
             <a:r>
               <a:rPr lang="en-US" dirty="0" err="1" smtClean="0"/>
@@ -5021,7 +5024,15 @@
             </a:r>
             <a:r>
               <a:rPr lang="en-US" dirty="0" smtClean="0"/>
-              <a:t>, 80% of </a:t>
+              <a:t>, </a:t>
+            </a:r>
+            <a:r>
+              <a:rPr lang="en-US" dirty="0" smtClean="0"/>
+              <a:t>70</a:t>
+            </a:r>
+            <a:r>
+              <a:rPr lang="en-US" dirty="0" smtClean="0"/>
+              <a:t>% of </a:t>
             </a:r>
             <a:r>
               <a:rPr lang="en-US" dirty="0" err="1" smtClean="0"/>
@@ -5040,7 +5051,7 @@
             </a:r>
             <a:r>
               <a:rPr lang="en-US" dirty="0" err="1" smtClean="0"/>
-              <a:t>Indiegogo</a:t>
+              <a:t>Kickstarter</a:t>
             </a:r>
             <a:endParaRPr lang="en-US" dirty="0"/>
           </a:p>
